--- a/lecture_notes/Week6-1c use vgg net.pptx
+++ b/lecture_notes/Week6-1c use vgg net.pptx
@@ -5,13 +5,16 @@
     <p:sldMasterId id="2147483648" r:id="rId1"/>
   </p:sldMasterIdLst>
   <p:notesMasterIdLst>
-    <p:notesMasterId r:id="rId6"/>
+    <p:notesMasterId r:id="rId9"/>
   </p:notesMasterIdLst>
   <p:sldIdLst>
     <p:sldId id="645" r:id="rId2"/>
     <p:sldId id="646" r:id="rId3"/>
-    <p:sldId id="647" r:id="rId4"/>
-    <p:sldId id="648" r:id="rId5"/>
+    <p:sldId id="649" r:id="rId4"/>
+    <p:sldId id="650" r:id="rId5"/>
+    <p:sldId id="647" r:id="rId6"/>
+    <p:sldId id="651" r:id="rId7"/>
+    <p:sldId id="648" r:id="rId8"/>
   </p:sldIdLst>
   <p:sldSz cx="9144000" cy="6858000" type="screen4x3"/>
   <p:notesSz cx="6858000" cy="9144000"/>
@@ -4053,6 +4056,208 @@
         </p:blipFill>
         <p:spPr>
           <a:xfrm>
+            <a:off x="1547664" y="908720"/>
+            <a:ext cx="5992453" cy="5949280"/>
+          </a:xfrm>
+          <a:prstGeom prst="rect">
+            <a:avLst/>
+          </a:prstGeom>
+        </p:spPr>
+      </p:pic>
+    </p:spTree>
+    <p:extLst>
+      <p:ext uri="{BB962C8B-B14F-4D97-AF65-F5344CB8AC3E}">
+        <p14:creationId xmlns:p14="http://schemas.microsoft.com/office/powerpoint/2010/main" val="1891828110"/>
+      </p:ext>
+    </p:extLst>
+  </p:cSld>
+  <p:clrMapOvr>
+    <a:masterClrMapping/>
+  </p:clrMapOvr>
+</p:sld>
+</file>
+
+<file path=ppt/slides/slide4.xml><?xml version="1.0" encoding="utf-8"?>
+<p:sld xmlns:a="http://schemas.openxmlformats.org/drawingml/2006/main" xmlns:r="http://schemas.openxmlformats.org/officeDocument/2006/relationships" xmlns:p="http://schemas.openxmlformats.org/presentationml/2006/main">
+  <p:cSld>
+    <p:spTree>
+      <p:nvGrpSpPr>
+        <p:cNvPr id="1" name=""/>
+        <p:cNvGrpSpPr/>
+        <p:nvPr/>
+      </p:nvGrpSpPr>
+      <p:grpSpPr>
+        <a:xfrm>
+          <a:off x="0" y="0"/>
+          <a:ext cx="0" cy="0"/>
+          <a:chOff x="0" y="0"/>
+          <a:chExt cx="0" cy="0"/>
+        </a:xfrm>
+      </p:grpSpPr>
+      <p:sp>
+        <p:nvSpPr>
+          <p:cNvPr id="3" name="제목 2"/>
+          <p:cNvSpPr>
+            <a:spLocks noGrp="1"/>
+          </p:cNvSpPr>
+          <p:nvPr>
+            <p:ph type="title"/>
+          </p:nvPr>
+        </p:nvSpPr>
+        <p:spPr/>
+        <p:txBody>
+          <a:bodyPr/>
+          <a:lstStyle/>
+          <a:p>
+            <a:r>
+              <a:rPr kumimoji="1" lang="en-US" altLang="ko-KR" dirty="0" smtClean="0"/>
+              <a:t>Code</a:t>
+            </a:r>
+            <a:endParaRPr kumimoji="1" lang="ko-KR" altLang="en-US" dirty="0"/>
+          </a:p>
+        </p:txBody>
+      </p:sp>
+      <p:sp>
+        <p:nvSpPr>
+          <p:cNvPr id="4" name="슬라이드 번호 개체 틀 3"/>
+          <p:cNvSpPr>
+            <a:spLocks noGrp="1"/>
+          </p:cNvSpPr>
+          <p:nvPr>
+            <p:ph type="sldNum" sz="quarter" idx="12"/>
+          </p:nvPr>
+        </p:nvSpPr>
+        <p:spPr/>
+        <p:txBody>
+          <a:bodyPr/>
+          <a:lstStyle/>
+          <a:p>
+            <a:fld id="{4CA1D5AE-3018-49FC-B3E0-A1E0E9567469}" type="slidenum">
+              <a:rPr lang="ko-KR" altLang="en-US" smtClean="0"/>
+              <a:pPr/>
+              <a:t>4</a:t>
+            </a:fld>
+            <a:endParaRPr lang="ko-KR" altLang="en-US"/>
+          </a:p>
+        </p:txBody>
+      </p:sp>
+      <p:pic>
+        <p:nvPicPr>
+          <p:cNvPr id="5" name="그림 4"/>
+          <p:cNvPicPr>
+            <a:picLocks noChangeAspect="1"/>
+          </p:cNvPicPr>
+          <p:nvPr/>
+        </p:nvPicPr>
+        <p:blipFill>
+          <a:blip r:embed="rId2"/>
+          <a:stretch>
+            <a:fillRect/>
+          </a:stretch>
+        </p:blipFill>
+        <p:spPr>
+          <a:xfrm>
+            <a:off x="527050" y="2197100"/>
+            <a:ext cx="8089900" cy="2463800"/>
+          </a:xfrm>
+          <a:prstGeom prst="rect">
+            <a:avLst/>
+          </a:prstGeom>
+        </p:spPr>
+      </p:pic>
+    </p:spTree>
+    <p:extLst>
+      <p:ext uri="{BB962C8B-B14F-4D97-AF65-F5344CB8AC3E}">
+        <p14:creationId xmlns:p14="http://schemas.microsoft.com/office/powerpoint/2010/main" val="2112681289"/>
+      </p:ext>
+    </p:extLst>
+  </p:cSld>
+  <p:clrMapOvr>
+    <a:masterClrMapping/>
+  </p:clrMapOvr>
+</p:sld>
+</file>
+
+<file path=ppt/slides/slide5.xml><?xml version="1.0" encoding="utf-8"?>
+<p:sld xmlns:a="http://schemas.openxmlformats.org/drawingml/2006/main" xmlns:r="http://schemas.openxmlformats.org/officeDocument/2006/relationships" xmlns:p="http://schemas.openxmlformats.org/presentationml/2006/main">
+  <p:cSld>
+    <p:spTree>
+      <p:nvGrpSpPr>
+        <p:cNvPr id="1" name=""/>
+        <p:cNvGrpSpPr/>
+        <p:nvPr/>
+      </p:nvGrpSpPr>
+      <p:grpSpPr>
+        <a:xfrm>
+          <a:off x="0" y="0"/>
+          <a:ext cx="0" cy="0"/>
+          <a:chOff x="0" y="0"/>
+          <a:chExt cx="0" cy="0"/>
+        </a:xfrm>
+      </p:grpSpPr>
+      <p:sp>
+        <p:nvSpPr>
+          <p:cNvPr id="3" name="제목 2"/>
+          <p:cNvSpPr>
+            <a:spLocks noGrp="1"/>
+          </p:cNvSpPr>
+          <p:nvPr>
+            <p:ph type="title"/>
+          </p:nvPr>
+        </p:nvSpPr>
+        <p:spPr/>
+        <p:txBody>
+          <a:bodyPr/>
+          <a:lstStyle/>
+          <a:p>
+            <a:r>
+              <a:rPr kumimoji="1" lang="en-US" altLang="ko-KR" dirty="0" smtClean="0"/>
+              <a:t>Code</a:t>
+            </a:r>
+            <a:endParaRPr kumimoji="1" lang="ko-KR" altLang="en-US" dirty="0"/>
+          </a:p>
+        </p:txBody>
+      </p:sp>
+      <p:sp>
+        <p:nvSpPr>
+          <p:cNvPr id="4" name="슬라이드 번호 개체 틀 3"/>
+          <p:cNvSpPr>
+            <a:spLocks noGrp="1"/>
+          </p:cNvSpPr>
+          <p:nvPr>
+            <p:ph type="sldNum" sz="quarter" idx="12"/>
+          </p:nvPr>
+        </p:nvSpPr>
+        <p:spPr/>
+        <p:txBody>
+          <a:bodyPr/>
+          <a:lstStyle/>
+          <a:p>
+            <a:fld id="{4CA1D5AE-3018-49FC-B3E0-A1E0E9567469}" type="slidenum">
+              <a:rPr lang="ko-KR" altLang="en-US" smtClean="0"/>
+              <a:pPr/>
+              <a:t>5</a:t>
+            </a:fld>
+            <a:endParaRPr lang="ko-KR" altLang="en-US"/>
+          </a:p>
+        </p:txBody>
+      </p:sp>
+      <p:pic>
+        <p:nvPicPr>
+          <p:cNvPr id="5" name="그림 4"/>
+          <p:cNvPicPr>
+            <a:picLocks noChangeAspect="1"/>
+          </p:cNvPicPr>
+          <p:nvPr/>
+        </p:nvPicPr>
+        <p:blipFill>
+          <a:blip r:embed="rId2"/>
+          <a:stretch>
+            <a:fillRect/>
+          </a:stretch>
+        </p:blipFill>
+        <p:spPr>
+          <a:xfrm>
             <a:off x="546100" y="1196752"/>
             <a:ext cx="7410276" cy="3646698"/>
           </a:xfrm>
@@ -4454,7 +4659,7 @@
 </p:sld>
 </file>
 
-<file path=ppt/slides/slide4.xml><?xml version="1.0" encoding="utf-8"?>
+<file path=ppt/slides/slide6.xml><?xml version="1.0" encoding="utf-8"?>
 <p:sld xmlns:a="http://schemas.openxmlformats.org/drawingml/2006/main" xmlns:r="http://schemas.openxmlformats.org/officeDocument/2006/relationships" xmlns:p="http://schemas.openxmlformats.org/presentationml/2006/main">
   <p:cSld>
     <p:spTree>
@@ -4512,7 +4717,108 @@
             <a:fld id="{4CA1D5AE-3018-49FC-B3E0-A1E0E9567469}" type="slidenum">
               <a:rPr lang="ko-KR" altLang="en-US" smtClean="0"/>
               <a:pPr/>
-              <a:t>4</a:t>
+              <a:t>6</a:t>
+            </a:fld>
+            <a:endParaRPr lang="ko-KR" altLang="en-US"/>
+          </a:p>
+        </p:txBody>
+      </p:sp>
+      <p:pic>
+        <p:nvPicPr>
+          <p:cNvPr id="5" name="그림 4"/>
+          <p:cNvPicPr>
+            <a:picLocks noChangeAspect="1"/>
+          </p:cNvPicPr>
+          <p:nvPr/>
+        </p:nvPicPr>
+        <p:blipFill>
+          <a:blip r:embed="rId2"/>
+          <a:stretch>
+            <a:fillRect/>
+          </a:stretch>
+        </p:blipFill>
+        <p:spPr>
+          <a:xfrm>
+            <a:off x="1259632" y="1019853"/>
+            <a:ext cx="6624736" cy="5322350"/>
+          </a:xfrm>
+          <a:prstGeom prst="rect">
+            <a:avLst/>
+          </a:prstGeom>
+        </p:spPr>
+      </p:pic>
+    </p:spTree>
+    <p:extLst>
+      <p:ext uri="{BB962C8B-B14F-4D97-AF65-F5344CB8AC3E}">
+        <p14:creationId xmlns:p14="http://schemas.microsoft.com/office/powerpoint/2010/main" val="1157501302"/>
+      </p:ext>
+    </p:extLst>
+  </p:cSld>
+  <p:clrMapOvr>
+    <a:masterClrMapping/>
+  </p:clrMapOvr>
+</p:sld>
+</file>
+
+<file path=ppt/slides/slide7.xml><?xml version="1.0" encoding="utf-8"?>
+<p:sld xmlns:a="http://schemas.openxmlformats.org/drawingml/2006/main" xmlns:r="http://schemas.openxmlformats.org/officeDocument/2006/relationships" xmlns:p="http://schemas.openxmlformats.org/presentationml/2006/main">
+  <p:cSld>
+    <p:spTree>
+      <p:nvGrpSpPr>
+        <p:cNvPr id="1" name=""/>
+        <p:cNvGrpSpPr/>
+        <p:nvPr/>
+      </p:nvGrpSpPr>
+      <p:grpSpPr>
+        <a:xfrm>
+          <a:off x="0" y="0"/>
+          <a:ext cx="0" cy="0"/>
+          <a:chOff x="0" y="0"/>
+          <a:chExt cx="0" cy="0"/>
+        </a:xfrm>
+      </p:grpSpPr>
+      <p:sp>
+        <p:nvSpPr>
+          <p:cNvPr id="3" name="제목 2"/>
+          <p:cNvSpPr>
+            <a:spLocks noGrp="1"/>
+          </p:cNvSpPr>
+          <p:nvPr>
+            <p:ph type="title"/>
+          </p:nvPr>
+        </p:nvSpPr>
+        <p:spPr/>
+        <p:txBody>
+          <a:bodyPr/>
+          <a:lstStyle/>
+          <a:p>
+            <a:r>
+              <a:rPr kumimoji="1" lang="en-US" altLang="ko-KR" dirty="0" smtClean="0"/>
+              <a:t>Code</a:t>
+            </a:r>
+            <a:endParaRPr kumimoji="1" lang="ko-KR" altLang="en-US" dirty="0"/>
+          </a:p>
+        </p:txBody>
+      </p:sp>
+      <p:sp>
+        <p:nvSpPr>
+          <p:cNvPr id="4" name="슬라이드 번호 개체 틀 3"/>
+          <p:cNvSpPr>
+            <a:spLocks noGrp="1"/>
+          </p:cNvSpPr>
+          <p:nvPr>
+            <p:ph type="sldNum" sz="quarter" idx="12"/>
+          </p:nvPr>
+        </p:nvSpPr>
+        <p:spPr/>
+        <p:txBody>
+          <a:bodyPr/>
+          <a:lstStyle/>
+          <a:p>
+            <a:fld id="{4CA1D5AE-3018-49FC-B3E0-A1E0E9567469}" type="slidenum">
+              <a:rPr lang="ko-KR" altLang="en-US" smtClean="0"/>
+              <a:pPr/>
+              <a:t>7</a:t>
             </a:fld>
             <a:endParaRPr lang="ko-KR" altLang="en-US"/>
           </a:p>
